--- a/presentation/Final_Presentation.pptx
+++ b/presentation/Final_Presentation.pptx
@@ -116,6 +116,11 @@
       </a:defRPr>
     </a:lvl9pPr>
   </p:defaultTextStyle>
+  <p:extLst>
+    <p:ext uri="{EFAFB233-063F-42B5-8137-9DF3F51BA10A}">
+      <p15:sldGuideLst xmlns:p15="http://schemas.microsoft.com/office/powerpoint/2012/main"/>
+    </p:ext>
+  </p:extLst>
 </p:presentation>
 </file>
 
@@ -6553,7 +6558,7 @@
             <p:ph sz="half" idx="1"/>
             <p:extLst>
               <p:ext uri="{D42A27DB-BD31-4B8C-83A1-F6EECF244321}">
-                <p14:modId xmlns:p14="http://schemas.microsoft.com/office/powerpoint/2010/main" val="2868511551"/>
+                <p14:modId xmlns:p14="http://schemas.microsoft.com/office/powerpoint/2010/main" val="3413928811"/>
               </p:ext>
             </p:extLst>
           </p:nvPr>
@@ -6770,8 +6775,13 @@
                     <a:p>
                       <a:r>
                         <a:rPr lang="en-US" sz="1500" dirty="0"/>
-                        <a:t>Rotten tomatoes ratting</a:t>
+                        <a:t>Rotten </a:t>
                       </a:r>
+                      <a:r>
+                        <a:rPr lang="en-US" sz="1500"/>
+                        <a:t>tomatoes rating</a:t>
+                      </a:r>
+                      <a:endParaRPr lang="en-US" sz="1500" dirty="0"/>
                     </a:p>
                   </a:txBody>
                   <a:tcPr marL="71488" marR="71488" marT="37672" marB="37672"/>
